--- a/pinout.pptx
+++ b/pinout.pptx
@@ -1337,7 +1337,7 @@
           <p:nvPr>
             <p:extLst>
               <p:ext uri="{D42A27DB-BD31-4B8C-83A1-F6EECF244321}">
-                <p14:modId xmlns:p14="http://schemas.microsoft.com/office/powerpoint/2010/main" val="3758921626"/>
+                <p14:modId xmlns:p14="http://schemas.microsoft.com/office/powerpoint/2010/main" val="2726809635"/>
               </p:ext>
             </p:extLst>
           </p:nvPr>
@@ -3162,7 +3162,7 @@
                           <a:latin typeface="Times New Roman"/>
                           <a:cs typeface="Times New Roman"/>
                         </a:rPr>
-                        <a:t>S3_step</a:t>
+                        <a:t>RX</a:t>
                       </a:r>
                       <a:endParaRPr sz="2400" b="1" dirty="0">
                         <a:solidFill>
@@ -3415,7 +3415,7 @@
                           <a:latin typeface="Times New Roman"/>
                           <a:cs typeface="Times New Roman"/>
                         </a:rPr>
-                        <a:t>S1_step</a:t>
+                        <a:t>S0_step</a:t>
                       </a:r>
                       <a:endParaRPr sz="2400" b="1" dirty="0">
                         <a:solidFill>
@@ -3828,7 +3828,7 @@
                           <a:latin typeface="Times New Roman"/>
                           <a:cs typeface="Times New Roman"/>
                         </a:rPr>
-                        <a:t>S3_dir</a:t>
+                        <a:t>TX</a:t>
                       </a:r>
                       <a:endParaRPr sz="2400" b="1" dirty="0">
                         <a:solidFill>
@@ -4082,7 +4082,7 @@
                           <a:latin typeface="Times New Roman"/>
                           <a:cs typeface="Times New Roman"/>
                         </a:rPr>
-                        <a:t>S1_dir</a:t>
+                        <a:t>S0_dir</a:t>
                       </a:r>
                       <a:endParaRPr sz="2400" b="1" dirty="0">
                         <a:solidFill>
@@ -4828,7 +4828,7 @@
                           <a:latin typeface="Times New Roman"/>
                           <a:cs typeface="Times New Roman"/>
                         </a:rPr>
-                        <a:t>S2_step</a:t>
+                        <a:t>S1_step</a:t>
                       </a:r>
                       <a:endParaRPr sz="2400" b="1" dirty="0">
                         <a:solidFill>
@@ -5580,7 +5580,7 @@
                           <a:latin typeface="Times New Roman"/>
                           <a:cs typeface="Times New Roman"/>
                         </a:rPr>
-                        <a:t>S2_dir</a:t>
+                        <a:t>S1_dir</a:t>
                       </a:r>
                       <a:endParaRPr sz="2400" b="1" dirty="0">
                         <a:solidFill>
@@ -6341,6 +6341,487 @@
                     <a:p>
                       <a:pPr algn="ctr">
                         <a:lnSpc>
+                          <a:spcPct val="100000"/>
+                        </a:lnSpc>
+                      </a:pPr>
+                      <a:r>
+                        <a:rPr lang="en-US" sz="2400" b="1" dirty="0">
+                          <a:solidFill>
+                            <a:schemeClr val="tx1"/>
+                          </a:solidFill>
+                          <a:latin typeface="Times New Roman"/>
+                          <a:cs typeface="Times New Roman"/>
+                        </a:rPr>
+                        <a:t>S2_step</a:t>
+                      </a:r>
+                      <a:endParaRPr sz="2400" b="1" dirty="0">
+                        <a:solidFill>
+                          <a:schemeClr val="tx1"/>
+                        </a:solidFill>
+                        <a:latin typeface="Times New Roman"/>
+                        <a:cs typeface="Times New Roman"/>
+                      </a:endParaRPr>
+                    </a:p>
+                  </a:txBody>
+                  <a:tcPr marL="0" marR="0" marT="0" marB="0" anchor="ctr">
+                    <a:lnL w="6350" cap="flat" cmpd="sng" algn="ctr">
+                      <a:solidFill>
+                        <a:srgbClr val="000000"/>
+                      </a:solidFill>
+                      <a:prstDash val="solid"/>
+                      <a:round/>
+                      <a:headEnd type="none" w="med" len="med"/>
+                      <a:tailEnd type="none" w="med" len="med"/>
+                    </a:lnL>
+                    <a:lnR w="53975" cap="flat" cmpd="sng" algn="ctr">
+                      <a:solidFill>
+                        <a:srgbClr val="C00000"/>
+                      </a:solidFill>
+                      <a:prstDash val="solid"/>
+                      <a:round/>
+                      <a:headEnd type="none" w="med" len="med"/>
+                      <a:tailEnd type="none" w="med" len="med"/>
+                    </a:lnR>
+                    <a:lnT w="6350" cap="flat" cmpd="sng" algn="ctr">
+                      <a:solidFill>
+                        <a:srgbClr val="000000"/>
+                      </a:solidFill>
+                      <a:prstDash val="solid"/>
+                      <a:round/>
+                      <a:headEnd type="none" w="med" len="med"/>
+                      <a:tailEnd type="none" w="med" len="med"/>
+                    </a:lnT>
+                    <a:lnB w="6350" cap="flat" cmpd="sng" algn="ctr">
+                      <a:solidFill>
+                        <a:srgbClr val="000000"/>
+                      </a:solidFill>
+                      <a:prstDash val="solid"/>
+                      <a:round/>
+                      <a:headEnd type="none" w="med" len="med"/>
+                      <a:tailEnd type="none" w="med" len="med"/>
+                    </a:lnB>
+                    <a:noFill/>
+                  </a:tcPr>
+                </a:tc>
+                <a:tc vMerge="1">
+                  <a:txBody>
+                    <a:bodyPr/>
+                    <a:lstStyle/>
+                    <a:p>
+                      <a:endParaRPr/>
+                    </a:p>
+                  </a:txBody>
+                  <a:tcPr marL="0" marR="0" marT="0" marB="0">
+                    <a:lnL w="53975" cap="flat" cmpd="sng" algn="ctr">
+                      <a:solidFill>
+                        <a:srgbClr val="C00000"/>
+                      </a:solidFill>
+                      <a:prstDash val="solid"/>
+                      <a:round/>
+                      <a:headEnd type="none" w="med" len="med"/>
+                      <a:tailEnd type="none" w="med" len="med"/>
+                    </a:lnL>
+                    <a:lnR w="53975" cap="flat" cmpd="sng" algn="ctr">
+                      <a:solidFill>
+                        <a:srgbClr val="C00000"/>
+                      </a:solidFill>
+                      <a:prstDash val="solid"/>
+                      <a:round/>
+                      <a:headEnd type="none" w="med" len="med"/>
+                      <a:tailEnd type="none" w="med" len="med"/>
+                    </a:lnR>
+                    <a:lnT w="6350" cap="flat" cmpd="sng" algn="ctr">
+                      <a:solidFill>
+                        <a:srgbClr val="000000"/>
+                      </a:solidFill>
+                      <a:prstDash val="solid"/>
+                      <a:round/>
+                      <a:headEnd type="none" w="med" len="med"/>
+                      <a:tailEnd type="none" w="med" len="med"/>
+                    </a:lnT>
+                    <a:lnB w="6350">
+                      <a:solidFill>
+                        <a:srgbClr val="000000"/>
+                      </a:solidFill>
+                      <a:prstDash val="solid"/>
+                    </a:lnB>
+                  </a:tcPr>
+                </a:tc>
+                <a:tc vMerge="1">
+                  <a:txBody>
+                    <a:bodyPr/>
+                    <a:lstStyle/>
+                    <a:p>
+                      <a:endParaRPr/>
+                    </a:p>
+                  </a:txBody>
+                  <a:tcPr marL="0" marR="0" marT="0" marB="0">
+                    <a:lnL w="53975" cap="flat" cmpd="sng" algn="ctr">
+                      <a:solidFill>
+                        <a:srgbClr val="C00000"/>
+                      </a:solidFill>
+                      <a:prstDash val="solid"/>
+                      <a:round/>
+                      <a:headEnd type="none" w="med" len="med"/>
+                      <a:tailEnd type="none" w="med" len="med"/>
+                    </a:lnL>
+                    <a:lnR w="53975" cap="flat" cmpd="sng" algn="ctr">
+                      <a:solidFill>
+                        <a:srgbClr val="C00000"/>
+                      </a:solidFill>
+                      <a:prstDash val="solid"/>
+                      <a:round/>
+                      <a:headEnd type="none" w="med" len="med"/>
+                      <a:tailEnd type="none" w="med" len="med"/>
+                    </a:lnR>
+                    <a:lnT w="6350" cap="flat" cmpd="sng" algn="ctr">
+                      <a:solidFill>
+                        <a:srgbClr val="000000"/>
+                      </a:solidFill>
+                      <a:prstDash val="solid"/>
+                      <a:round/>
+                      <a:headEnd type="none" w="med" len="med"/>
+                      <a:tailEnd type="none" w="med" len="med"/>
+                    </a:lnT>
+                    <a:lnB w="6350">
+                      <a:solidFill>
+                        <a:srgbClr val="000000"/>
+                      </a:solidFill>
+                      <a:prstDash val="solid"/>
+                    </a:lnB>
+                  </a:tcPr>
+                </a:tc>
+                <a:tc>
+                  <a:txBody>
+                    <a:bodyPr/>
+                    <a:lstStyle/>
+                    <a:p>
+                      <a:pPr algn="ctr"/>
+                      <a:r>
+                        <a:rPr lang="en-US" sz="2400" b="1" dirty="0">
+                          <a:solidFill>
+                            <a:schemeClr val="tx1"/>
+                          </a:solidFill>
+                          <a:latin typeface="Times New Roman"/>
+                          <a:ea typeface="+mn-ea"/>
+                          <a:cs typeface="Times New Roman"/>
+                        </a:rPr>
+                        <a:t>R_zero</a:t>
+                      </a:r>
+                    </a:p>
+                  </a:txBody>
+                  <a:tcPr marL="0" marR="0" marT="0" marB="0" anchor="ctr">
+                    <a:lnL w="53975" cap="flat" cmpd="sng" algn="ctr">
+                      <a:solidFill>
+                        <a:srgbClr val="C00000"/>
+                      </a:solidFill>
+                      <a:prstDash val="solid"/>
+                      <a:round/>
+                      <a:headEnd type="none" w="med" len="med"/>
+                      <a:tailEnd type="none" w="med" len="med"/>
+                    </a:lnL>
+                    <a:lnR w="6350" cap="flat" cmpd="sng" algn="ctr">
+                      <a:solidFill>
+                        <a:srgbClr val="000000"/>
+                      </a:solidFill>
+                      <a:prstDash val="solid"/>
+                      <a:round/>
+                      <a:headEnd type="none" w="med" len="med"/>
+                      <a:tailEnd type="none" w="med" len="med"/>
+                    </a:lnR>
+                    <a:lnT w="6350" cap="flat" cmpd="sng" algn="ctr">
+                      <a:solidFill>
+                        <a:srgbClr val="000000"/>
+                      </a:solidFill>
+                      <a:prstDash val="solid"/>
+                      <a:round/>
+                      <a:headEnd type="none" w="med" len="med"/>
+                      <a:tailEnd type="none" w="med" len="med"/>
+                    </a:lnT>
+                    <a:lnB w="6350">
+                      <a:solidFill>
+                        <a:srgbClr val="000000"/>
+                      </a:solidFill>
+                      <a:prstDash val="solid"/>
+                    </a:lnB>
+                  </a:tcPr>
+                </a:tc>
+                <a:tc>
+                  <a:txBody>
+                    <a:bodyPr/>
+                    <a:lstStyle/>
+                    <a:p>
+                      <a:pPr algn="ctr">
+                        <a:lnSpc>
+                          <a:spcPts val="1290"/>
+                        </a:lnSpc>
+                      </a:pPr>
+                      <a:r>
+                        <a:rPr sz="2400" b="1" spc="-5" dirty="0">
+                          <a:solidFill>
+                            <a:schemeClr val="bg1"/>
+                          </a:solidFill>
+                          <a:latin typeface="Calibri"/>
+                          <a:cs typeface="Calibri"/>
+                        </a:rPr>
+                        <a:t>PC_7</a:t>
+                      </a:r>
+                      <a:endParaRPr sz="2400" b="1" dirty="0">
+                        <a:solidFill>
+                          <a:schemeClr val="bg1"/>
+                        </a:solidFill>
+                        <a:latin typeface="Calibri"/>
+                        <a:cs typeface="Calibri"/>
+                      </a:endParaRPr>
+                    </a:p>
+                  </a:txBody>
+                  <a:tcPr marL="0" marR="0" marT="0" marB="0" anchor="ctr">
+                    <a:lnL w="6350" cap="flat" cmpd="sng" algn="ctr">
+                      <a:solidFill>
+                        <a:srgbClr val="000000"/>
+                      </a:solidFill>
+                      <a:prstDash val="solid"/>
+                      <a:round/>
+                      <a:headEnd type="none" w="med" len="med"/>
+                      <a:tailEnd type="none" w="med" len="med"/>
+                    </a:lnL>
+                    <a:lnR w="6350" cap="flat" cmpd="sng" algn="ctr">
+                      <a:solidFill>
+                        <a:srgbClr val="FFFFFF"/>
+                      </a:solidFill>
+                      <a:prstDash val="solid"/>
+                      <a:round/>
+                      <a:headEnd type="none" w="med" len="med"/>
+                      <a:tailEnd type="none" w="med" len="med"/>
+                    </a:lnR>
+                    <a:lnT w="6350" cap="flat" cmpd="sng" algn="ctr">
+                      <a:solidFill>
+                        <a:srgbClr val="000000"/>
+                      </a:solidFill>
+                      <a:prstDash val="solid"/>
+                      <a:round/>
+                      <a:headEnd type="none" w="med" len="med"/>
+                      <a:tailEnd type="none" w="med" len="med"/>
+                    </a:lnT>
+                    <a:lnB w="6350">
+                      <a:solidFill>
+                        <a:srgbClr val="000000"/>
+                      </a:solidFill>
+                      <a:prstDash val="solid"/>
+                    </a:lnB>
+                    <a:solidFill>
+                      <a:srgbClr val="C00000"/>
+                    </a:solidFill>
+                  </a:tcPr>
+                </a:tc>
+                <a:tc>
+                  <a:txBody>
+                    <a:bodyPr/>
+                    <a:lstStyle/>
+                    <a:p>
+                      <a:pPr marL="1905" algn="ctr">
+                        <a:lnSpc>
+                          <a:spcPts val="1290"/>
+                        </a:lnSpc>
+                      </a:pPr>
+                      <a:r>
+                        <a:rPr sz="2400" b="1" dirty="0">
+                          <a:solidFill>
+                            <a:schemeClr val="bg1"/>
+                          </a:solidFill>
+                          <a:latin typeface="Calibri"/>
+                          <a:cs typeface="Calibri"/>
+                        </a:rPr>
+                        <a:t>34</a:t>
+                      </a:r>
+                    </a:p>
+                  </a:txBody>
+                  <a:tcPr marL="0" marR="0" marT="0" marB="0" anchor="ctr">
+                    <a:lnL w="6350" cap="flat" cmpd="sng" algn="ctr">
+                      <a:solidFill>
+                        <a:srgbClr val="FFFFFF"/>
+                      </a:solidFill>
+                      <a:prstDash val="solid"/>
+                      <a:round/>
+                      <a:headEnd type="none" w="med" len="med"/>
+                      <a:tailEnd type="none" w="med" len="med"/>
+                    </a:lnL>
+                    <a:solidFill>
+                      <a:srgbClr val="000000"/>
+                    </a:solidFill>
+                  </a:tcPr>
+                </a:tc>
+                <a:tc>
+                  <a:txBody>
+                    <a:bodyPr/>
+                    <a:lstStyle/>
+                    <a:p>
+                      <a:pPr marL="635" algn="ctr">
+                        <a:lnSpc>
+                          <a:spcPts val="1290"/>
+                        </a:lnSpc>
+                      </a:pPr>
+                      <a:r>
+                        <a:rPr sz="2400" b="1" dirty="0">
+                          <a:solidFill>
+                            <a:schemeClr val="bg1"/>
+                          </a:solidFill>
+                          <a:latin typeface="Calibri"/>
+                          <a:cs typeface="Calibri"/>
+                        </a:rPr>
+                        <a:t>14</a:t>
+                      </a:r>
+                    </a:p>
+                  </a:txBody>
+                  <a:tcPr marL="0" marR="0" marT="0" marB="0" anchor="ctr">
+                    <a:lnR w="6350" cap="flat" cmpd="sng" algn="ctr">
+                      <a:solidFill>
+                        <a:srgbClr val="FFFFFF"/>
+                      </a:solidFill>
+                      <a:prstDash val="solid"/>
+                      <a:round/>
+                      <a:headEnd type="none" w="med" len="med"/>
+                      <a:tailEnd type="none" w="med" len="med"/>
+                    </a:lnR>
+                    <a:solidFill>
+                      <a:srgbClr val="000000"/>
+                    </a:solidFill>
+                  </a:tcPr>
+                </a:tc>
+                <a:tc>
+                  <a:txBody>
+                    <a:bodyPr/>
+                    <a:lstStyle/>
+                    <a:p>
+                      <a:pPr algn="ctr">
+                        <a:lnSpc>
+                          <a:spcPts val="1290"/>
+                        </a:lnSpc>
+                      </a:pPr>
+                      <a:r>
+                        <a:rPr sz="2400" b="1" spc="-5" dirty="0">
+                          <a:solidFill>
+                            <a:schemeClr val="bg1"/>
+                          </a:solidFill>
+                          <a:latin typeface="Calibri"/>
+                          <a:cs typeface="Calibri"/>
+                        </a:rPr>
+                        <a:t>PB_6</a:t>
+                      </a:r>
+                      <a:endParaRPr sz="2400" b="1" dirty="0">
+                        <a:solidFill>
+                          <a:schemeClr val="bg1"/>
+                        </a:solidFill>
+                        <a:latin typeface="Calibri"/>
+                        <a:cs typeface="Calibri"/>
+                      </a:endParaRPr>
+                    </a:p>
+                  </a:txBody>
+                  <a:tcPr marL="0" marR="0" marT="0" marB="0" anchor="ctr">
+                    <a:lnL w="6350" cap="flat" cmpd="sng" algn="ctr">
+                      <a:solidFill>
+                        <a:srgbClr val="FFFFFF"/>
+                      </a:solidFill>
+                      <a:prstDash val="solid"/>
+                      <a:round/>
+                      <a:headEnd type="none" w="med" len="med"/>
+                      <a:tailEnd type="none" w="med" len="med"/>
+                    </a:lnL>
+                    <a:lnR w="6350" cap="flat" cmpd="sng" algn="ctr">
+                      <a:solidFill>
+                        <a:srgbClr val="000000"/>
+                      </a:solidFill>
+                      <a:prstDash val="solid"/>
+                      <a:round/>
+                      <a:headEnd type="none" w="med" len="med"/>
+                      <a:tailEnd type="none" w="med" len="med"/>
+                    </a:lnR>
+                    <a:lnT w="6350" cap="flat" cmpd="sng" algn="ctr">
+                      <a:solidFill>
+                        <a:srgbClr val="000000"/>
+                      </a:solidFill>
+                      <a:prstDash val="solid"/>
+                      <a:round/>
+                      <a:headEnd type="none" w="med" len="med"/>
+                      <a:tailEnd type="none" w="med" len="med"/>
+                    </a:lnT>
+                    <a:lnB w="6350">
+                      <a:solidFill>
+                        <a:srgbClr val="000000"/>
+                      </a:solidFill>
+                      <a:prstDash val="solid"/>
+                    </a:lnB>
+                    <a:solidFill>
+                      <a:srgbClr val="C00000"/>
+                    </a:solidFill>
+                  </a:tcPr>
+                </a:tc>
+                <a:tc>
+                  <a:txBody>
+                    <a:bodyPr/>
+                    <a:lstStyle/>
+                    <a:p>
+                      <a:pPr algn="ctr">
+                        <a:lnSpc>
+                          <a:spcPct val="100000"/>
+                        </a:lnSpc>
+                      </a:pPr>
+                      <a:endParaRPr sz="2400" b="1" dirty="0">
+                        <a:solidFill>
+                          <a:schemeClr val="tx1"/>
+                        </a:solidFill>
+                        <a:latin typeface="Times New Roman"/>
+                        <a:cs typeface="Times New Roman"/>
+                      </a:endParaRPr>
+                    </a:p>
+                  </a:txBody>
+                  <a:tcPr marL="0" marR="0" marT="0" marB="0" anchor="ctr">
+                    <a:lnL w="6350" cap="flat" cmpd="sng" algn="ctr">
+                      <a:solidFill>
+                        <a:srgbClr val="000000"/>
+                      </a:solidFill>
+                      <a:prstDash val="solid"/>
+                      <a:round/>
+                      <a:headEnd type="none" w="med" len="med"/>
+                      <a:tailEnd type="none" w="med" len="med"/>
+                    </a:lnL>
+                    <a:lnR w="6350">
+                      <a:solidFill>
+                        <a:srgbClr val="000000"/>
+                      </a:solidFill>
+                      <a:prstDash val="solid"/>
+                    </a:lnR>
+                    <a:lnT w="6350" cap="flat" cmpd="sng" algn="ctr">
+                      <a:solidFill>
+                        <a:srgbClr val="000000"/>
+                      </a:solidFill>
+                      <a:prstDash val="solid"/>
+                      <a:round/>
+                      <a:headEnd type="none" w="med" len="med"/>
+                      <a:tailEnd type="none" w="med" len="med"/>
+                    </a:lnT>
+                    <a:lnB w="6350">
+                      <a:solidFill>
+                        <a:srgbClr val="000000"/>
+                      </a:solidFill>
+                      <a:prstDash val="solid"/>
+                    </a:lnB>
+                  </a:tcPr>
+                </a:tc>
+                <a:extLst>
+                  <a:ext uri="{0D108BD9-81ED-4DB2-BD59-A6C34878D82A}">
+                    <a16:rowId xmlns:a16="http://schemas.microsoft.com/office/drawing/2014/main" val="10009"/>
+                  </a:ext>
+                </a:extLst>
+              </a:tr>
+              <a:tr h="584200">
+                <a:tc>
+                  <a:txBody>
+                    <a:bodyPr/>
+                    <a:lstStyle/>
+                    <a:p>
+                      <a:pPr marL="138430" algn="ctr">
+                        <a:lnSpc>
                           <a:spcPts val="1290"/>
                         </a:lnSpc>
                       </a:pPr>
@@ -6354,188 +6835,33 @@
                     </a:p>
                   </a:txBody>
                   <a:tcPr marL="0" marR="0" marT="0" marB="0" anchor="ctr">
-                    <a:lnL w="6350" cap="flat" cmpd="sng" algn="ctr">
-                      <a:solidFill>
-                        <a:srgbClr val="000000"/>
-                      </a:solidFill>
-                      <a:prstDash val="solid"/>
-                      <a:round/>
-                      <a:headEnd type="none" w="med" len="med"/>
-                      <a:tailEnd type="none" w="med" len="med"/>
-                    </a:lnL>
-                    <a:lnR w="53975" cap="flat" cmpd="sng" algn="ctr">
-                      <a:solidFill>
-                        <a:srgbClr val="C00000"/>
-                      </a:solidFill>
-                      <a:prstDash val="solid"/>
-                      <a:round/>
-                      <a:headEnd type="none" w="med" len="med"/>
-                      <a:tailEnd type="none" w="med" len="med"/>
-                    </a:lnR>
-                    <a:lnT w="6350" cap="flat" cmpd="sng" algn="ctr">
-                      <a:solidFill>
-                        <a:srgbClr val="000000"/>
-                      </a:solidFill>
-                      <a:prstDash val="solid"/>
-                      <a:round/>
-                      <a:headEnd type="none" w="med" len="med"/>
-                      <a:tailEnd type="none" w="med" len="med"/>
-                    </a:lnT>
-                    <a:lnB w="6350" cap="flat" cmpd="sng" algn="ctr">
-                      <a:solidFill>
-                        <a:srgbClr val="000000"/>
-                      </a:solidFill>
-                      <a:prstDash val="solid"/>
-                      <a:round/>
-                      <a:headEnd type="none" w="med" len="med"/>
-                      <a:tailEnd type="none" w="med" len="med"/>
+                    <a:lnL w="6350">
+                      <a:solidFill>
+                        <a:srgbClr val="000000"/>
+                      </a:solidFill>
+                      <a:prstDash val="solid"/>
+                    </a:lnL>
+                    <a:lnR w="6350">
+                      <a:solidFill>
+                        <a:srgbClr val="000000"/>
+                      </a:solidFill>
+                      <a:prstDash val="solid"/>
+                    </a:lnR>
+                    <a:lnT w="6350">
+                      <a:solidFill>
+                        <a:srgbClr val="000000"/>
+                      </a:solidFill>
+                      <a:prstDash val="solid"/>
+                    </a:lnT>
+                    <a:lnB w="6350">
+                      <a:solidFill>
+                        <a:srgbClr val="000000"/>
+                      </a:solidFill>
+                      <a:prstDash val="solid"/>
                     </a:lnB>
                     <a:noFill/>
                   </a:tcPr>
                 </a:tc>
-                <a:tc vMerge="1">
-                  <a:txBody>
-                    <a:bodyPr/>
-                    <a:lstStyle/>
-                    <a:p>
-                      <a:endParaRPr/>
-                    </a:p>
-                  </a:txBody>
-                  <a:tcPr marL="0" marR="0" marT="0" marB="0">
-                    <a:lnL w="53975" cap="flat" cmpd="sng" algn="ctr">
-                      <a:solidFill>
-                        <a:srgbClr val="C00000"/>
-                      </a:solidFill>
-                      <a:prstDash val="solid"/>
-                      <a:round/>
-                      <a:headEnd type="none" w="med" len="med"/>
-                      <a:tailEnd type="none" w="med" len="med"/>
-                    </a:lnL>
-                    <a:lnR w="53975" cap="flat" cmpd="sng" algn="ctr">
-                      <a:solidFill>
-                        <a:srgbClr val="C00000"/>
-                      </a:solidFill>
-                      <a:prstDash val="solid"/>
-                      <a:round/>
-                      <a:headEnd type="none" w="med" len="med"/>
-                      <a:tailEnd type="none" w="med" len="med"/>
-                    </a:lnR>
-                    <a:lnT w="6350" cap="flat" cmpd="sng" algn="ctr">
-                      <a:solidFill>
-                        <a:srgbClr val="000000"/>
-                      </a:solidFill>
-                      <a:prstDash val="solid"/>
-                      <a:round/>
-                      <a:headEnd type="none" w="med" len="med"/>
-                      <a:tailEnd type="none" w="med" len="med"/>
-                    </a:lnT>
-                    <a:lnB w="6350">
-                      <a:solidFill>
-                        <a:srgbClr val="000000"/>
-                      </a:solidFill>
-                      <a:prstDash val="solid"/>
-                    </a:lnB>
-                  </a:tcPr>
-                </a:tc>
-                <a:tc vMerge="1">
-                  <a:txBody>
-                    <a:bodyPr/>
-                    <a:lstStyle/>
-                    <a:p>
-                      <a:endParaRPr/>
-                    </a:p>
-                  </a:txBody>
-                  <a:tcPr marL="0" marR="0" marT="0" marB="0">
-                    <a:lnL w="53975" cap="flat" cmpd="sng" algn="ctr">
-                      <a:solidFill>
-                        <a:srgbClr val="C00000"/>
-                      </a:solidFill>
-                      <a:prstDash val="solid"/>
-                      <a:round/>
-                      <a:headEnd type="none" w="med" len="med"/>
-                      <a:tailEnd type="none" w="med" len="med"/>
-                    </a:lnL>
-                    <a:lnR w="53975" cap="flat" cmpd="sng" algn="ctr">
-                      <a:solidFill>
-                        <a:srgbClr val="C00000"/>
-                      </a:solidFill>
-                      <a:prstDash val="solid"/>
-                      <a:round/>
-                      <a:headEnd type="none" w="med" len="med"/>
-                      <a:tailEnd type="none" w="med" len="med"/>
-                    </a:lnR>
-                    <a:lnT w="6350" cap="flat" cmpd="sng" algn="ctr">
-                      <a:solidFill>
-                        <a:srgbClr val="000000"/>
-                      </a:solidFill>
-                      <a:prstDash val="solid"/>
-                      <a:round/>
-                      <a:headEnd type="none" w="med" len="med"/>
-                      <a:tailEnd type="none" w="med" len="med"/>
-                    </a:lnT>
-                    <a:lnB w="6350">
-                      <a:solidFill>
-                        <a:srgbClr val="000000"/>
-                      </a:solidFill>
-                      <a:prstDash val="solid"/>
-                    </a:lnB>
-                  </a:tcPr>
-                </a:tc>
-                <a:tc>
-                  <a:txBody>
-                    <a:bodyPr/>
-                    <a:lstStyle/>
-                    <a:p>
-                      <a:pPr algn="ctr"/>
-                      <a:r>
-                        <a:rPr lang="en-US" sz="2400" b="1" dirty="0">
-                          <a:solidFill>
-                            <a:schemeClr val="tx1"/>
-                          </a:solidFill>
-                          <a:latin typeface="Times New Roman"/>
-                          <a:ea typeface="+mn-ea"/>
-                          <a:cs typeface="Times New Roman"/>
-                        </a:rPr>
-                        <a:t>R_zero</a:t>
-                      </a:r>
-                    </a:p>
-                  </a:txBody>
-                  <a:tcPr marL="0" marR="0" marT="0" marB="0" anchor="ctr">
-                    <a:lnL w="53975" cap="flat" cmpd="sng" algn="ctr">
-                      <a:solidFill>
-                        <a:srgbClr val="C00000"/>
-                      </a:solidFill>
-                      <a:prstDash val="solid"/>
-                      <a:round/>
-                      <a:headEnd type="none" w="med" len="med"/>
-                      <a:tailEnd type="none" w="med" len="med"/>
-                    </a:lnL>
-                    <a:lnR w="6350" cap="flat" cmpd="sng" algn="ctr">
-                      <a:solidFill>
-                        <a:srgbClr val="000000"/>
-                      </a:solidFill>
-                      <a:prstDash val="solid"/>
-                      <a:round/>
-                      <a:headEnd type="none" w="med" len="med"/>
-                      <a:tailEnd type="none" w="med" len="med"/>
-                    </a:lnR>
-                    <a:lnT w="6350" cap="flat" cmpd="sng" algn="ctr">
-                      <a:solidFill>
-                        <a:srgbClr val="000000"/>
-                      </a:solidFill>
-                      <a:prstDash val="solid"/>
-                      <a:round/>
-                      <a:headEnd type="none" w="med" len="med"/>
-                      <a:tailEnd type="none" w="med" len="med"/>
-                    </a:lnT>
-                    <a:lnB w="6350">
-                      <a:solidFill>
-                        <a:srgbClr val="000000"/>
-                      </a:solidFill>
-                      <a:prstDash val="solid"/>
-                    </a:lnB>
-                  </a:tcPr>
-                </a:tc>
                 <a:tc>
                   <a:txBody>
                     <a:bodyPr/>
@@ -6547,14 +6873,146 @@
                         </a:lnSpc>
                       </a:pPr>
                       <a:r>
-                        <a:rPr sz="2400" b="1" spc="-5" dirty="0">
+                        <a:rPr sz="2400" b="1" dirty="0">
                           <a:solidFill>
                             <a:schemeClr val="bg1"/>
                           </a:solidFill>
                           <a:latin typeface="Calibri"/>
                           <a:cs typeface="Calibri"/>
                         </a:rPr>
-                        <a:t>PC_7</a:t>
+                        <a:t>PA_5</a:t>
+                      </a:r>
+                    </a:p>
+                  </a:txBody>
+                  <a:tcPr marL="0" marR="0" marT="0" marB="0" anchor="ctr">
+                    <a:lnL w="6350">
+                      <a:solidFill>
+                        <a:srgbClr val="000000"/>
+                      </a:solidFill>
+                      <a:prstDash val="solid"/>
+                    </a:lnL>
+                    <a:lnR w="6350">
+                      <a:solidFill>
+                        <a:srgbClr val="FFFFFF"/>
+                      </a:solidFill>
+                      <a:prstDash val="solid"/>
+                    </a:lnR>
+                    <a:lnT w="6350">
+                      <a:solidFill>
+                        <a:srgbClr val="000000"/>
+                      </a:solidFill>
+                      <a:prstDash val="solid"/>
+                    </a:lnT>
+                    <a:lnB w="6350">
+                      <a:solidFill>
+                        <a:srgbClr val="000000"/>
+                      </a:solidFill>
+                      <a:prstDash val="solid"/>
+                    </a:lnB>
+                    <a:solidFill>
+                      <a:srgbClr val="C00000"/>
+                    </a:solidFill>
+                  </a:tcPr>
+                </a:tc>
+                <a:tc>
+                  <a:txBody>
+                    <a:bodyPr/>
+                    <a:lstStyle/>
+                    <a:p>
+                      <a:pPr marL="1270" algn="ctr">
+                        <a:lnSpc>
+                          <a:spcPts val="1290"/>
+                        </a:lnSpc>
+                      </a:pPr>
+                      <a:r>
+                        <a:rPr sz="2400" b="1" dirty="0">
+                          <a:solidFill>
+                            <a:schemeClr val="bg1"/>
+                          </a:solidFill>
+                          <a:latin typeface="Calibri"/>
+                          <a:cs typeface="Calibri"/>
+                        </a:rPr>
+                        <a:t>8</a:t>
+                      </a:r>
+                    </a:p>
+                  </a:txBody>
+                  <a:tcPr marL="0" marR="0" marT="0" marB="0" anchor="ctr">
+                    <a:lnL w="6350">
+                      <a:solidFill>
+                        <a:srgbClr val="FFFFFF"/>
+                      </a:solidFill>
+                      <a:prstDash val="solid"/>
+                    </a:lnL>
+                    <a:lnR w="9525">
+                      <a:solidFill>
+                        <a:srgbClr val="FFFFFF"/>
+                      </a:solidFill>
+                      <a:prstDash val="solid"/>
+                    </a:lnR>
+                    <a:solidFill>
+                      <a:srgbClr val="000000"/>
+                    </a:solidFill>
+                  </a:tcPr>
+                </a:tc>
+                <a:tc>
+                  <a:txBody>
+                    <a:bodyPr/>
+                    <a:lstStyle/>
+                    <a:p>
+                      <a:pPr marL="635" algn="ctr">
+                        <a:lnSpc>
+                          <a:spcPts val="1290"/>
+                        </a:lnSpc>
+                      </a:pPr>
+                      <a:r>
+                        <a:rPr sz="2400" b="1" dirty="0">
+                          <a:solidFill>
+                            <a:schemeClr val="bg1"/>
+                          </a:solidFill>
+                          <a:latin typeface="Calibri"/>
+                          <a:cs typeface="Calibri"/>
+                        </a:rPr>
+                        <a:t>28</a:t>
+                      </a:r>
+                    </a:p>
+                  </a:txBody>
+                  <a:tcPr marL="0" marR="0" marT="0" marB="0" anchor="ctr">
+                    <a:lnL w="9525">
+                      <a:solidFill>
+                        <a:srgbClr val="FFFFFF"/>
+                      </a:solidFill>
+                      <a:prstDash val="solid"/>
+                    </a:lnL>
+                    <a:lnR w="6350">
+                      <a:solidFill>
+                        <a:srgbClr val="FFFFFF"/>
+                      </a:solidFill>
+                      <a:prstDash val="solid"/>
+                    </a:lnR>
+                    <a:solidFill>
+                      <a:srgbClr val="000000"/>
+                    </a:solidFill>
+                  </a:tcPr>
+                </a:tc>
+                <a:tc>
+                  <a:txBody>
+                    <a:bodyPr/>
+                    <a:lstStyle/>
+                    <a:p>
+                      <a:pPr marL="199390" algn="ctr">
+                        <a:lnSpc>
+                          <a:spcPts val="1290"/>
+                        </a:lnSpc>
+                      </a:pPr>
+                      <a:r>
+                        <a:rPr sz="2400" b="1" spc="-5" dirty="0">
+                          <a:solidFill>
+                            <a:schemeClr val="bg1"/>
+                          </a:solidFill>
+                          <a:latin typeface="Calibri"/>
+                          <a:cs typeface="Calibri"/>
+                        </a:rPr>
+                        <a:t>PE_2</a:t>
                       </a:r>
                       <a:endParaRPr sz="2400" b="1" dirty="0">
                         <a:solidFill>
@@ -6566,32 +7024,26 @@
                     </a:p>
                   </a:txBody>
                   <a:tcPr marL="0" marR="0" marT="0" marB="0" anchor="ctr">
-                    <a:lnL w="6350" cap="flat" cmpd="sng" algn="ctr">
-                      <a:solidFill>
-                        <a:srgbClr val="000000"/>
-                      </a:solidFill>
-                      <a:prstDash val="solid"/>
-                      <a:round/>
-                      <a:headEnd type="none" w="med" len="med"/>
-                      <a:tailEnd type="none" w="med" len="med"/>
+                    <a:lnL w="6350">
+                      <a:solidFill>
+                        <a:srgbClr val="FFFFFF"/>
+                      </a:solidFill>
+                      <a:prstDash val="solid"/>
                     </a:lnL>
                     <a:lnR w="6350" cap="flat" cmpd="sng" algn="ctr">
                       <a:solidFill>
-                        <a:srgbClr val="FFFFFF"/>
-                      </a:solidFill>
-                      <a:prstDash val="solid"/>
-                      <a:round/>
-                      <a:headEnd type="none" w="med" len="med"/>
-                      <a:tailEnd type="none" w="med" len="med"/>
-                    </a:lnR>
-                    <a:lnT w="6350" cap="flat" cmpd="sng" algn="ctr">
-                      <a:solidFill>
-                        <a:srgbClr val="000000"/>
-                      </a:solidFill>
-                      <a:prstDash val="solid"/>
-                      <a:round/>
-                      <a:headEnd type="none" w="med" len="med"/>
-                      <a:tailEnd type="none" w="med" len="med"/>
+                        <a:srgbClr val="000000"/>
+                      </a:solidFill>
+                      <a:prstDash val="solid"/>
+                      <a:round/>
+                      <a:headEnd type="none" w="med" len="med"/>
+                      <a:tailEnd type="none" w="med" len="med"/>
+                    </a:lnR>
+                    <a:lnT w="6350">
+                      <a:solidFill>
+                        <a:srgbClr val="000000"/>
+                      </a:solidFill>
+                      <a:prstDash val="solid"/>
                     </a:lnT>
                     <a:lnB w="6350">
                       <a:solidFill>
@@ -6609,456 +7061,27 @@
                     <a:bodyPr/>
                     <a:lstStyle/>
                     <a:p>
-                      <a:pPr marL="1905" algn="ctr">
-                        <a:lnSpc>
-                          <a:spcPts val="1290"/>
-                        </a:lnSpc>
-                      </a:pPr>
-                      <a:r>
-                        <a:rPr sz="2400" b="1" dirty="0">
-                          <a:solidFill>
-                            <a:schemeClr val="bg1"/>
-                          </a:solidFill>
-                          <a:latin typeface="Calibri"/>
-                          <a:cs typeface="Calibri"/>
-                        </a:rPr>
-                        <a:t>34</a:t>
-                      </a:r>
-                    </a:p>
-                  </a:txBody>
-                  <a:tcPr marL="0" marR="0" marT="0" marB="0" anchor="ctr">
-                    <a:lnL w="6350" cap="flat" cmpd="sng" algn="ctr">
-                      <a:solidFill>
-                        <a:srgbClr val="FFFFFF"/>
-                      </a:solidFill>
-                      <a:prstDash val="solid"/>
-                      <a:round/>
-                      <a:headEnd type="none" w="med" len="med"/>
-                      <a:tailEnd type="none" w="med" len="med"/>
-                    </a:lnL>
-                    <a:solidFill>
-                      <a:srgbClr val="000000"/>
-                    </a:solidFill>
-                  </a:tcPr>
-                </a:tc>
-                <a:tc>
-                  <a:txBody>
-                    <a:bodyPr/>
-                    <a:lstStyle/>
-                    <a:p>
-                      <a:pPr marL="635" algn="ctr">
-                        <a:lnSpc>
-                          <a:spcPts val="1290"/>
-                        </a:lnSpc>
-                      </a:pPr>
-                      <a:r>
-                        <a:rPr sz="2400" b="1" dirty="0">
-                          <a:solidFill>
-                            <a:schemeClr val="bg1"/>
-                          </a:solidFill>
-                          <a:latin typeface="Calibri"/>
-                          <a:cs typeface="Calibri"/>
-                        </a:rPr>
-                        <a:t>14</a:t>
-                      </a:r>
-                    </a:p>
-                  </a:txBody>
-                  <a:tcPr marL="0" marR="0" marT="0" marB="0" anchor="ctr">
-                    <a:lnR w="6350" cap="flat" cmpd="sng" algn="ctr">
-                      <a:solidFill>
-                        <a:srgbClr val="FFFFFF"/>
-                      </a:solidFill>
-                      <a:prstDash val="solid"/>
-                      <a:round/>
-                      <a:headEnd type="none" w="med" len="med"/>
-                      <a:tailEnd type="none" w="med" len="med"/>
-                    </a:lnR>
-                    <a:solidFill>
-                      <a:srgbClr val="000000"/>
-                    </a:solidFill>
-                  </a:tcPr>
-                </a:tc>
-                <a:tc>
-                  <a:txBody>
-                    <a:bodyPr/>
-                    <a:lstStyle/>
-                    <a:p>
                       <a:pPr algn="ctr">
                         <a:lnSpc>
-                          <a:spcPts val="1290"/>
-                        </a:lnSpc>
-                      </a:pPr>
-                      <a:r>
-                        <a:rPr sz="2400" b="1" spc="-5" dirty="0">
-                          <a:solidFill>
-                            <a:schemeClr val="bg1"/>
-                          </a:solidFill>
-                          <a:latin typeface="Calibri"/>
-                          <a:cs typeface="Calibri"/>
-                        </a:rPr>
-                        <a:t>PB_6</a:t>
-                      </a:r>
-                      <a:endParaRPr sz="2400" b="1" dirty="0">
-                        <a:solidFill>
-                          <a:schemeClr val="bg1"/>
-                        </a:solidFill>
-                        <a:latin typeface="Calibri"/>
-                        <a:cs typeface="Calibri"/>
-                      </a:endParaRPr>
-                    </a:p>
-                  </a:txBody>
-                  <a:tcPr marL="0" marR="0" marT="0" marB="0" anchor="ctr">
-                    <a:lnL w="6350" cap="flat" cmpd="sng" algn="ctr">
-                      <a:solidFill>
-                        <a:srgbClr val="FFFFFF"/>
-                      </a:solidFill>
-                      <a:prstDash val="solid"/>
-                      <a:round/>
-                      <a:headEnd type="none" w="med" len="med"/>
-                      <a:tailEnd type="none" w="med" len="med"/>
-                    </a:lnL>
-                    <a:lnR w="6350" cap="flat" cmpd="sng" algn="ctr">
-                      <a:solidFill>
-                        <a:srgbClr val="000000"/>
-                      </a:solidFill>
-                      <a:prstDash val="solid"/>
-                      <a:round/>
-                      <a:headEnd type="none" w="med" len="med"/>
-                      <a:tailEnd type="none" w="med" len="med"/>
-                    </a:lnR>
-                    <a:lnT w="6350" cap="flat" cmpd="sng" algn="ctr">
-                      <a:solidFill>
-                        <a:srgbClr val="000000"/>
-                      </a:solidFill>
-                      <a:prstDash val="solid"/>
-                      <a:round/>
-                      <a:headEnd type="none" w="med" len="med"/>
-                      <a:tailEnd type="none" w="med" len="med"/>
-                    </a:lnT>
-                    <a:lnB w="6350">
-                      <a:solidFill>
-                        <a:srgbClr val="000000"/>
-                      </a:solidFill>
-                      <a:prstDash val="solid"/>
-                    </a:lnB>
-                    <a:solidFill>
-                      <a:srgbClr val="C00000"/>
-                    </a:solidFill>
-                  </a:tcPr>
-                </a:tc>
-                <a:tc>
-                  <a:txBody>
-                    <a:bodyPr/>
-                    <a:lstStyle/>
-                    <a:p>
-                      <a:pPr algn="ctr">
-                        <a:lnSpc>
                           <a:spcPct val="100000"/>
                         </a:lnSpc>
                       </a:pPr>
+                      <a:r>
+                        <a:rPr lang="en-US" sz="2400" b="1" dirty="0">
+                          <a:solidFill>
+                            <a:schemeClr val="tx1"/>
+                          </a:solidFill>
+                          <a:latin typeface="Times New Roman"/>
+                          <a:cs typeface="Times New Roman"/>
+                        </a:rPr>
+                        <a:t>S2_dir</a:t>
+                      </a:r>
                       <a:endParaRPr sz="2400" b="1" dirty="0">
                         <a:solidFill>
                           <a:schemeClr val="tx1"/>
                         </a:solidFill>
                         <a:latin typeface="Times New Roman"/>
                         <a:cs typeface="Times New Roman"/>
-                      </a:endParaRPr>
-                    </a:p>
-                  </a:txBody>
-                  <a:tcPr marL="0" marR="0" marT="0" marB="0" anchor="ctr">
-                    <a:lnL w="6350" cap="flat" cmpd="sng" algn="ctr">
-                      <a:solidFill>
-                        <a:srgbClr val="000000"/>
-                      </a:solidFill>
-                      <a:prstDash val="solid"/>
-                      <a:round/>
-                      <a:headEnd type="none" w="med" len="med"/>
-                      <a:tailEnd type="none" w="med" len="med"/>
-                    </a:lnL>
-                    <a:lnR w="6350">
-                      <a:solidFill>
-                        <a:srgbClr val="000000"/>
-                      </a:solidFill>
-                      <a:prstDash val="solid"/>
-                    </a:lnR>
-                    <a:lnT w="6350" cap="flat" cmpd="sng" algn="ctr">
-                      <a:solidFill>
-                        <a:srgbClr val="000000"/>
-                      </a:solidFill>
-                      <a:prstDash val="solid"/>
-                      <a:round/>
-                      <a:headEnd type="none" w="med" len="med"/>
-                      <a:tailEnd type="none" w="med" len="med"/>
-                    </a:lnT>
-                    <a:lnB w="6350">
-                      <a:solidFill>
-                        <a:srgbClr val="000000"/>
-                      </a:solidFill>
-                      <a:prstDash val="solid"/>
-                    </a:lnB>
-                  </a:tcPr>
-                </a:tc>
-                <a:extLst>
-                  <a:ext uri="{0D108BD9-81ED-4DB2-BD59-A6C34878D82A}">
-                    <a16:rowId xmlns:a16="http://schemas.microsoft.com/office/drawing/2014/main" val="10009"/>
-                  </a:ext>
-                </a:extLst>
-              </a:tr>
-              <a:tr h="584200">
-                <a:tc>
-                  <a:txBody>
-                    <a:bodyPr/>
-                    <a:lstStyle/>
-                    <a:p>
-                      <a:pPr marL="138430" algn="ctr">
-                        <a:lnSpc>
-                          <a:spcPts val="1290"/>
-                        </a:lnSpc>
-                      </a:pPr>
-                      <a:endParaRPr sz="2400" b="1" dirty="0">
-                        <a:solidFill>
-                          <a:schemeClr val="tx1"/>
-                        </a:solidFill>
-                        <a:latin typeface="Calibri"/>
-                        <a:cs typeface="Calibri"/>
-                      </a:endParaRPr>
-                    </a:p>
-                  </a:txBody>
-                  <a:tcPr marL="0" marR="0" marT="0" marB="0" anchor="ctr">
-                    <a:lnL w="6350">
-                      <a:solidFill>
-                        <a:srgbClr val="000000"/>
-                      </a:solidFill>
-                      <a:prstDash val="solid"/>
-                    </a:lnL>
-                    <a:lnR w="6350">
-                      <a:solidFill>
-                        <a:srgbClr val="000000"/>
-                      </a:solidFill>
-                      <a:prstDash val="solid"/>
-                    </a:lnR>
-                    <a:lnT w="6350">
-                      <a:solidFill>
-                        <a:srgbClr val="000000"/>
-                      </a:solidFill>
-                      <a:prstDash val="solid"/>
-                    </a:lnT>
-                    <a:lnB w="6350">
-                      <a:solidFill>
-                        <a:srgbClr val="000000"/>
-                      </a:solidFill>
-                      <a:prstDash val="solid"/>
-                    </a:lnB>
-                    <a:noFill/>
-                  </a:tcPr>
-                </a:tc>
-                <a:tc>
-                  <a:txBody>
-                    <a:bodyPr/>
-                    <a:lstStyle/>
-                    <a:p>
-                      <a:pPr algn="ctr">
-                        <a:lnSpc>
-                          <a:spcPts val="1290"/>
-                        </a:lnSpc>
-                      </a:pPr>
-                      <a:r>
-                        <a:rPr sz="2400" b="1" dirty="0">
-                          <a:solidFill>
-                            <a:schemeClr val="bg1"/>
-                          </a:solidFill>
-                          <a:latin typeface="Calibri"/>
-                          <a:cs typeface="Calibri"/>
-                        </a:rPr>
-                        <a:t>PA_5</a:t>
-                      </a:r>
-                    </a:p>
-                  </a:txBody>
-                  <a:tcPr marL="0" marR="0" marT="0" marB="0" anchor="ctr">
-                    <a:lnL w="6350">
-                      <a:solidFill>
-                        <a:srgbClr val="000000"/>
-                      </a:solidFill>
-                      <a:prstDash val="solid"/>
-                    </a:lnL>
-                    <a:lnR w="6350">
-                      <a:solidFill>
-                        <a:srgbClr val="FFFFFF"/>
-                      </a:solidFill>
-                      <a:prstDash val="solid"/>
-                    </a:lnR>
-                    <a:lnT w="6350">
-                      <a:solidFill>
-                        <a:srgbClr val="000000"/>
-                      </a:solidFill>
-                      <a:prstDash val="solid"/>
-                    </a:lnT>
-                    <a:lnB w="6350">
-                      <a:solidFill>
-                        <a:srgbClr val="000000"/>
-                      </a:solidFill>
-                      <a:prstDash val="solid"/>
-                    </a:lnB>
-                    <a:solidFill>
-                      <a:srgbClr val="C00000"/>
-                    </a:solidFill>
-                  </a:tcPr>
-                </a:tc>
-                <a:tc>
-                  <a:txBody>
-                    <a:bodyPr/>
-                    <a:lstStyle/>
-                    <a:p>
-                      <a:pPr marL="1270" algn="ctr">
-                        <a:lnSpc>
-                          <a:spcPts val="1290"/>
-                        </a:lnSpc>
-                      </a:pPr>
-                      <a:r>
-                        <a:rPr sz="2400" b="1" dirty="0">
-                          <a:solidFill>
-                            <a:schemeClr val="bg1"/>
-                          </a:solidFill>
-                          <a:latin typeface="Calibri"/>
-                          <a:cs typeface="Calibri"/>
-                        </a:rPr>
-                        <a:t>8</a:t>
-                      </a:r>
-                    </a:p>
-                  </a:txBody>
-                  <a:tcPr marL="0" marR="0" marT="0" marB="0" anchor="ctr">
-                    <a:lnL w="6350">
-                      <a:solidFill>
-                        <a:srgbClr val="FFFFFF"/>
-                      </a:solidFill>
-                      <a:prstDash val="solid"/>
-                    </a:lnL>
-                    <a:lnR w="9525">
-                      <a:solidFill>
-                        <a:srgbClr val="FFFFFF"/>
-                      </a:solidFill>
-                      <a:prstDash val="solid"/>
-                    </a:lnR>
-                    <a:solidFill>
-                      <a:srgbClr val="000000"/>
-                    </a:solidFill>
-                  </a:tcPr>
-                </a:tc>
-                <a:tc>
-                  <a:txBody>
-                    <a:bodyPr/>
-                    <a:lstStyle/>
-                    <a:p>
-                      <a:pPr marL="635" algn="ctr">
-                        <a:lnSpc>
-                          <a:spcPts val="1290"/>
-                        </a:lnSpc>
-                      </a:pPr>
-                      <a:r>
-                        <a:rPr sz="2400" b="1" dirty="0">
-                          <a:solidFill>
-                            <a:schemeClr val="bg1"/>
-                          </a:solidFill>
-                          <a:latin typeface="Calibri"/>
-                          <a:cs typeface="Calibri"/>
-                        </a:rPr>
-                        <a:t>28</a:t>
-                      </a:r>
-                    </a:p>
-                  </a:txBody>
-                  <a:tcPr marL="0" marR="0" marT="0" marB="0" anchor="ctr">
-                    <a:lnL w="9525">
-                      <a:solidFill>
-                        <a:srgbClr val="FFFFFF"/>
-                      </a:solidFill>
-                      <a:prstDash val="solid"/>
-                    </a:lnL>
-                    <a:lnR w="6350">
-                      <a:solidFill>
-                        <a:srgbClr val="FFFFFF"/>
-                      </a:solidFill>
-                      <a:prstDash val="solid"/>
-                    </a:lnR>
-                    <a:solidFill>
-                      <a:srgbClr val="000000"/>
-                    </a:solidFill>
-                  </a:tcPr>
-                </a:tc>
-                <a:tc>
-                  <a:txBody>
-                    <a:bodyPr/>
-                    <a:lstStyle/>
-                    <a:p>
-                      <a:pPr marL="199390" algn="ctr">
-                        <a:lnSpc>
-                          <a:spcPts val="1290"/>
-                        </a:lnSpc>
-                      </a:pPr>
-                      <a:r>
-                        <a:rPr sz="2400" b="1" spc="-5" dirty="0">
-                          <a:solidFill>
-                            <a:schemeClr val="bg1"/>
-                          </a:solidFill>
-                          <a:latin typeface="Calibri"/>
-                          <a:cs typeface="Calibri"/>
-                        </a:rPr>
-                        <a:t>PE_2</a:t>
-                      </a:r>
-                      <a:endParaRPr sz="2400" b="1" dirty="0">
-                        <a:solidFill>
-                          <a:schemeClr val="bg1"/>
-                        </a:solidFill>
-                        <a:latin typeface="Calibri"/>
-                        <a:cs typeface="Calibri"/>
-                      </a:endParaRPr>
-                    </a:p>
-                  </a:txBody>
-                  <a:tcPr marL="0" marR="0" marT="0" marB="0" anchor="ctr">
-                    <a:lnL w="6350">
-                      <a:solidFill>
-                        <a:srgbClr val="FFFFFF"/>
-                      </a:solidFill>
-                      <a:prstDash val="solid"/>
-                    </a:lnL>
-                    <a:lnR w="6350">
-                      <a:solidFill>
-                        <a:srgbClr val="000000"/>
-                      </a:solidFill>
-                      <a:prstDash val="solid"/>
-                    </a:lnR>
-                    <a:lnT w="6350">
-                      <a:solidFill>
-                        <a:srgbClr val="000000"/>
-                      </a:solidFill>
-                      <a:prstDash val="solid"/>
-                    </a:lnT>
-                    <a:lnB w="6350">
-                      <a:solidFill>
-                        <a:srgbClr val="000000"/>
-                      </a:solidFill>
-                      <a:prstDash val="solid"/>
-                    </a:lnB>
-                    <a:solidFill>
-                      <a:srgbClr val="C00000"/>
-                    </a:solidFill>
-                  </a:tcPr>
-                </a:tc>
-                <a:tc>
-                  <a:txBody>
-                    <a:bodyPr/>
-                    <a:lstStyle/>
-                    <a:p>
-                      <a:pPr algn="ctr">
-                        <a:lnSpc>
-                          <a:spcPts val="1290"/>
-                        </a:lnSpc>
-                      </a:pPr>
-                      <a:endParaRPr sz="2400" b="1" dirty="0">
-                        <a:solidFill>
-                          <a:schemeClr val="tx1"/>
-                        </a:solidFill>
-                        <a:latin typeface="Calibri"/>
-                        <a:cs typeface="Calibri"/>
                       </a:endParaRPr>
                     </a:p>
                   </a:txBody>
